--- a/server/presentation/презентация_проекта_хакатон v.2.1.2.pptx
+++ b/server/presentation/презентация_проекта_хакатон v.2.1.2.pptx
@@ -5,7 +5,7 @@
     <p:sldMasterId id="2147483653" r:id="rId1"/>
   </p:sldMasterIdLst>
   <p:notesMasterIdLst>
-    <p:notesMasterId r:id="rId16"/>
+    <p:notesMasterId r:id="rId15"/>
   </p:notesMasterIdLst>
   <p:sldIdLst>
     <p:sldId id="302" r:id="rId2"/>
@@ -20,47 +20,46 @@
     <p:sldId id="309" r:id="rId11"/>
     <p:sldId id="308" r:id="rId12"/>
     <p:sldId id="297" r:id="rId13"/>
-    <p:sldId id="307" r:id="rId14"/>
-    <p:sldId id="298" r:id="rId15"/>
+    <p:sldId id="298" r:id="rId14"/>
   </p:sldIdLst>
   <p:sldSz cx="12192000" cy="6858000"/>
   <p:notesSz cx="6858000" cy="9144000"/>
   <p:embeddedFontLst>
     <p:embeddedFont>
       <p:font typeface="Abril Fatface" panose="02000503000000020003" pitchFamily="2" charset="0"/>
-      <p:regular r:id="rId17"/>
+      <p:regular r:id="rId16"/>
     </p:embeddedFont>
     <p:embeddedFont>
       <p:font typeface="Barlow Condensed" panose="00000506000000000000" pitchFamily="2" charset="0"/>
-      <p:regular r:id="rId18"/>
-      <p:bold r:id="rId19"/>
-      <p:italic r:id="rId20"/>
-      <p:boldItalic r:id="rId21"/>
+      <p:regular r:id="rId17"/>
+      <p:bold r:id="rId18"/>
+      <p:italic r:id="rId19"/>
+      <p:boldItalic r:id="rId20"/>
     </p:embeddedFont>
     <p:embeddedFont>
       <p:font typeface="Calibri" panose="020F0502020204030204" pitchFamily="34" charset="0"/>
-      <p:regular r:id="rId22"/>
-      <p:bold r:id="rId23"/>
-      <p:italic r:id="rId24"/>
-      <p:boldItalic r:id="rId25"/>
+      <p:regular r:id="rId21"/>
+      <p:bold r:id="rId22"/>
+      <p:italic r:id="rId23"/>
+      <p:boldItalic r:id="rId24"/>
     </p:embeddedFont>
     <p:embeddedFont>
       <p:font typeface="Century Gothic" panose="020B0502020202020204" pitchFamily="34" charset="0"/>
-      <p:regular r:id="rId26"/>
-      <p:bold r:id="rId27"/>
-      <p:italic r:id="rId28"/>
-      <p:boldItalic r:id="rId29"/>
+      <p:regular r:id="rId25"/>
+      <p:bold r:id="rId26"/>
+      <p:italic r:id="rId27"/>
+      <p:boldItalic r:id="rId28"/>
     </p:embeddedFont>
     <p:embeddedFont>
       <p:font typeface="Roboto" panose="02000000000000000000" pitchFamily="2" charset="0"/>
-      <p:regular r:id="rId30"/>
-      <p:bold r:id="rId31"/>
-      <p:italic r:id="rId32"/>
-      <p:boldItalic r:id="rId33"/>
+      <p:regular r:id="rId29"/>
+      <p:bold r:id="rId30"/>
+      <p:italic r:id="rId31"/>
+      <p:boldItalic r:id="rId32"/>
     </p:embeddedFont>
     <p:embeddedFont>
       <p:font typeface="Ultima Pro Black" panose="02000000000000000000" charset="-52"/>
-      <p:bold r:id="rId34"/>
+      <p:bold r:id="rId33"/>
     </p:embeddedFont>
   </p:embeddedFontLst>
   <p:defaultTextStyle>
@@ -12932,6 +12931,70 @@
           </a:p>
         </p:txBody>
       </p:sp>
+      <p:sp>
+        <p:nvSpPr>
+          <p:cNvPr id="3" name="Google Shape;311;p19">
+            <a:hlinkClick r:id="rId3" action="ppaction://hlinksldjump"/>
+            <a:extLst>
+              <a:ext uri="{FF2B5EF4-FFF2-40B4-BE49-F238E27FC236}">
+                <a16:creationId xmlns:a16="http://schemas.microsoft.com/office/drawing/2014/main" id="{B5153361-977C-28E5-6AF3-F489601216FD}"/>
+              </a:ext>
+            </a:extLst>
+          </p:cNvPr>
+          <p:cNvSpPr/>
+          <p:nvPr/>
+        </p:nvSpPr>
+        <p:spPr>
+          <a:xfrm>
+            <a:off x="9920336" y="5974710"/>
+            <a:ext cx="2267571" cy="689700"/>
+          </a:xfrm>
+          <a:prstGeom prst="roundRect">
+            <a:avLst>
+              <a:gd name="adj" fmla="val 50000"/>
+            </a:avLst>
+          </a:prstGeom>
+          <a:solidFill>
+            <a:schemeClr val="accent6"/>
+          </a:solidFill>
+          <a:ln>
+            <a:noFill/>
+          </a:ln>
+        </p:spPr>
+        <p:txBody>
+          <a:bodyPr spcFirstLastPara="1" wrap="square" lIns="91425" tIns="45700" rIns="91425" bIns="45700" anchor="ctr" anchorCtr="0">
+            <a:noAutofit/>
+          </a:bodyPr>
+          <a:lstStyle/>
+          <a:p>
+            <a:pPr marL="0" marR="0" lvl="0" indent="0" algn="ctr" rtl="0">
+              <a:spcBef>
+                <a:spcPts val="0"/>
+              </a:spcBef>
+              <a:spcAft>
+                <a:spcPts val="0"/>
+              </a:spcAft>
+              <a:buNone/>
+            </a:pPr>
+            <a:r>
+              <a:rPr lang="ru-RU" sz="1800" b="1" dirty="0">
+                <a:solidFill>
+                  <a:srgbClr val="F1D46E"/>
+                </a:solidFill>
+                <a:latin typeface="Ultima Pro Black" panose="02000000000000000000" pitchFamily="2" charset="-52"/>
+                <a:sym typeface="Century Gothic"/>
+              </a:rPr>
+              <a:t>Перспективы</a:t>
+            </a:r>
+            <a:endParaRPr dirty="0">
+              <a:solidFill>
+                <a:srgbClr val="F1D46E"/>
+              </a:solidFill>
+              <a:latin typeface="Ultima Pro Black" panose="02000000000000000000" pitchFamily="2" charset="-52"/>
+            </a:endParaRPr>
+          </a:p>
+        </p:txBody>
+      </p:sp>
     </p:spTree>
     <p:extLst>
       <p:ext uri="{BB962C8B-B14F-4D97-AF65-F5344CB8AC3E}">
@@ -13057,7 +13120,7 @@
                 </a:solidFill>
                 <a:latin typeface="Ultima Pro Black" panose="02000000000000000000" pitchFamily="2" charset="-52"/>
               </a:rPr>
-              <a:t>Легко добавить</a:t>
+              <a:t>Перспективы развития</a:t>
             </a:r>
             <a:r>
               <a:rPr lang="en-US" sz="5100" dirty="0">
@@ -13141,8 +13204,8 @@
         </p:nvSpPr>
         <p:spPr>
           <a:xfrm>
-            <a:off x="755545" y="2025640"/>
-            <a:ext cx="10680911" cy="3416320"/>
+            <a:off x="755544" y="1896671"/>
+            <a:ext cx="10680911" cy="4078039"/>
           </a:xfrm>
           <a:prstGeom prst="rect">
             <a:avLst/>
@@ -13159,6 +13222,43 @@
           </a:bodyPr>
           <a:lstStyle/>
           <a:p>
+            <a:pPr>
+              <a:lnSpc>
+                <a:spcPct val="100000"/>
+              </a:lnSpc>
+              <a:spcAft>
+                <a:spcPts val="1800"/>
+              </a:spcAft>
+              <a:buClr>
+                <a:srgbClr val="F2F2F2"/>
+              </a:buClr>
+            </a:pPr>
+            <a:r>
+              <a:rPr lang="ru-RU" sz="3000" dirty="0">
+                <a:solidFill>
+                  <a:srgbClr val="F2F2F2"/>
+                </a:solidFill>
+                <a:latin typeface="Ultima Pro Black" panose="02000000000000000000" pitchFamily="2" charset="-52"/>
+              </a:rPr>
+              <a:t>В процессе расширения проекта будут добавлены</a:t>
+            </a:r>
+            <a:r>
+              <a:rPr lang="en-US" sz="3000" dirty="0">
+                <a:solidFill>
+                  <a:srgbClr val="F2F2F2"/>
+                </a:solidFill>
+                <a:latin typeface="Ultima Pro Black" panose="02000000000000000000" pitchFamily="2" charset="-52"/>
+              </a:rPr>
+              <a:t>:</a:t>
+            </a:r>
+            <a:endParaRPr lang="ru-RU" sz="3000" dirty="0">
+              <a:solidFill>
+                <a:srgbClr val="F2F2F2"/>
+              </a:solidFill>
+              <a:latin typeface="Ultima Pro Black" panose="02000000000000000000" pitchFamily="2" charset="-52"/>
+            </a:endParaRPr>
+          </a:p>
+          <a:p>
             <a:pPr marL="342900" indent="-342900">
               <a:lnSpc>
                 <a:spcPct val="100000"/>
@@ -13179,7 +13279,7 @@
                 </a:solidFill>
                 <a:latin typeface="Ultima Pro Black" panose="02000000000000000000" pitchFamily="2" charset="-52"/>
               </a:rPr>
-              <a:t>Личную папку избранных мест и мероприятий, привязанную к аккаунту пользователя</a:t>
+              <a:t>Личная папка избранных мест и мероприятий, привязанная к аккаунту пользователя</a:t>
             </a:r>
             <a:r>
               <a:rPr lang="en-US" sz="2800" dirty="0">
@@ -13212,7 +13312,7 @@
                 </a:solidFill>
                 <a:latin typeface="Ultima Pro Black" panose="02000000000000000000" pitchFamily="2" charset="-52"/>
               </a:rPr>
-              <a:t>Сортировку мест и мероприятий по различным параметрам (</a:t>
+              <a:t>Сортировка мест и мероприятий по различным параметрам (</a:t>
             </a:r>
             <a:r>
               <a:rPr lang="ru-RU" sz="2800" dirty="0" err="1">
@@ -13268,6 +13368,70 @@
             <a:endParaRPr lang="en-US" sz="2800" dirty="0">
               <a:solidFill>
                 <a:srgbClr val="F2F2F2"/>
+              </a:solidFill>
+              <a:latin typeface="Ultima Pro Black" panose="02000000000000000000" pitchFamily="2" charset="-52"/>
+            </a:endParaRPr>
+          </a:p>
+        </p:txBody>
+      </p:sp>
+      <p:sp>
+        <p:nvSpPr>
+          <p:cNvPr id="3" name="Google Shape;311;p19">
+            <a:hlinkClick r:id="rId3" action="ppaction://hlinksldjump"/>
+            <a:extLst>
+              <a:ext uri="{FF2B5EF4-FFF2-40B4-BE49-F238E27FC236}">
+                <a16:creationId xmlns:a16="http://schemas.microsoft.com/office/drawing/2014/main" id="{7913B79B-4B13-7268-F379-4954F4D08476}"/>
+              </a:ext>
+            </a:extLst>
+          </p:cNvPr>
+          <p:cNvSpPr/>
+          <p:nvPr/>
+        </p:nvSpPr>
+        <p:spPr>
+          <a:xfrm>
+            <a:off x="9920336" y="5974710"/>
+            <a:ext cx="2267571" cy="689700"/>
+          </a:xfrm>
+          <a:prstGeom prst="roundRect">
+            <a:avLst>
+              <a:gd name="adj" fmla="val 50000"/>
+            </a:avLst>
+          </a:prstGeom>
+          <a:solidFill>
+            <a:schemeClr val="accent6"/>
+          </a:solidFill>
+          <a:ln>
+            <a:noFill/>
+          </a:ln>
+        </p:spPr>
+        <p:txBody>
+          <a:bodyPr spcFirstLastPara="1" wrap="square" lIns="91425" tIns="45700" rIns="91425" bIns="45700" anchor="ctr" anchorCtr="0">
+            <a:noAutofit/>
+          </a:bodyPr>
+          <a:lstStyle/>
+          <a:p>
+            <a:pPr marL="0" marR="0" lvl="0" indent="0" algn="ctr" rtl="0">
+              <a:spcBef>
+                <a:spcPts val="0"/>
+              </a:spcBef>
+              <a:spcAft>
+                <a:spcPts val="0"/>
+              </a:spcAft>
+              <a:buNone/>
+            </a:pPr>
+            <a:r>
+              <a:rPr lang="ru-RU" sz="1800" b="1" dirty="0">
+                <a:solidFill>
+                  <a:srgbClr val="F1D46E"/>
+                </a:solidFill>
+                <a:latin typeface="Ultima Pro Black" panose="02000000000000000000" pitchFamily="2" charset="-52"/>
+                <a:sym typeface="Century Gothic"/>
+              </a:rPr>
+              <a:t>К сайту</a:t>
+            </a:r>
+            <a:endParaRPr dirty="0">
+              <a:solidFill>
+                <a:srgbClr val="F1D46E"/>
               </a:solidFill>
               <a:latin typeface="Ultima Pro Black" panose="02000000000000000000" pitchFamily="2" charset="-52"/>
             </a:endParaRPr>
@@ -13418,36 +13582,6 @@
 </file>
 
 <file path=ppt/slides/slide13.xml><?xml version="1.0" encoding="utf-8"?>
-<p:sld xmlns:a="http://schemas.openxmlformats.org/drawingml/2006/main" xmlns:r="http://schemas.openxmlformats.org/officeDocument/2006/relationships" xmlns:p="http://schemas.openxmlformats.org/presentationml/2006/main">
-  <p:cSld>
-    <p:spTree>
-      <p:nvGrpSpPr>
-        <p:cNvPr id="1" name=""/>
-        <p:cNvGrpSpPr/>
-        <p:nvPr/>
-      </p:nvGrpSpPr>
-      <p:grpSpPr>
-        <a:xfrm>
-          <a:off x="0" y="0"/>
-          <a:ext cx="0" cy="0"/>
-          <a:chOff x="0" y="0"/>
-          <a:chExt cx="0" cy="0"/>
-        </a:xfrm>
-      </p:grpSpPr>
-    </p:spTree>
-    <p:extLst>
-      <p:ext uri="{BB962C8B-B14F-4D97-AF65-F5344CB8AC3E}">
-        <p14:creationId xmlns:p14="http://schemas.microsoft.com/office/powerpoint/2010/main" val="3931430478"/>
-      </p:ext>
-    </p:extLst>
-  </p:cSld>
-  <p:clrMapOvr>
-    <a:masterClrMapping/>
-  </p:clrMapOvr>
-</p:sld>
-</file>
-
-<file path=ppt/slides/slide14.xml><?xml version="1.0" encoding="utf-8"?>
 <p:sld xmlns:a="http://schemas.openxmlformats.org/drawingml/2006/main" xmlns:r="http://schemas.openxmlformats.org/officeDocument/2006/relationships" xmlns:p="http://schemas.openxmlformats.org/presentationml/2006/main">
   <p:cSld>
     <p:spTree>
@@ -15170,41 +15304,6 @@
                 <a:latin typeface="Ultima Pro Black" panose="02000000000000000000" pitchFamily="2" charset="-52"/>
               </a:rPr>
               <a:t>	</a:t>
-            </a:r>
-            <a:endParaRPr lang="ru-RU" sz="1800" dirty="0">
-              <a:solidFill>
-                <a:srgbClr val="400052"/>
-              </a:solidFill>
-              <a:latin typeface="Ultima Pro Black" panose="02000000000000000000" pitchFamily="2" charset="-52"/>
-            </a:endParaRPr>
-          </a:p>
-          <a:p>
-            <a:pPr marL="0" lvl="0" indent="0" algn="l" rtl="0">
-              <a:spcBef>
-                <a:spcPts val="0"/>
-              </a:spcBef>
-              <a:spcAft>
-                <a:spcPts val="0"/>
-              </a:spcAft>
-              <a:buNone/>
-            </a:pPr>
-            <a:r>
-              <a:rPr lang="ru-RU" sz="1800" dirty="0">
-                <a:solidFill>
-                  <a:srgbClr val="400052"/>
-                </a:solidFill>
-                <a:latin typeface="Ultima Pro Black" panose="02000000000000000000" pitchFamily="2" charset="-52"/>
-              </a:rPr>
-              <a:t>-ведение аналитики</a:t>
-            </a:r>
-            <a:r>
-              <a:rPr lang="en-US" sz="1800" dirty="0">
-                <a:solidFill>
-                  <a:srgbClr val="400052"/>
-                </a:solidFill>
-                <a:latin typeface="Ultima Pro Black" panose="02000000000000000000" pitchFamily="2" charset="-52"/>
-              </a:rPr>
-              <a:t>:</a:t>
             </a:r>
           </a:p>
           <a:p>
@@ -17944,6 +18043,64 @@
           </a:p>
         </p:txBody>
       </p:sp>
+      <p:sp>
+        <p:nvSpPr>
+          <p:cNvPr id="3" name="Google Shape;311;p19">
+            <a:hlinkClick r:id="rId3" action="ppaction://hlinksldjump"/>
+            <a:extLst>
+              <a:ext uri="{FF2B5EF4-FFF2-40B4-BE49-F238E27FC236}">
+                <a16:creationId xmlns:a16="http://schemas.microsoft.com/office/drawing/2014/main" id="{BEAC942D-8402-6F0E-B2AF-CE8F27B94583}"/>
+              </a:ext>
+            </a:extLst>
+          </p:cNvPr>
+          <p:cNvSpPr/>
+          <p:nvPr/>
+        </p:nvSpPr>
+        <p:spPr>
+          <a:xfrm>
+            <a:off x="9920336" y="5974710"/>
+            <a:ext cx="2267571" cy="689700"/>
+          </a:xfrm>
+          <a:prstGeom prst="roundRect">
+            <a:avLst>
+              <a:gd name="adj" fmla="val 50000"/>
+            </a:avLst>
+          </a:prstGeom>
+          <a:solidFill>
+            <a:schemeClr val="accent6"/>
+          </a:solidFill>
+          <a:ln>
+            <a:noFill/>
+          </a:ln>
+        </p:spPr>
+        <p:txBody>
+          <a:bodyPr spcFirstLastPara="1" wrap="square" lIns="91425" tIns="45700" rIns="91425" bIns="45700" anchor="ctr" anchorCtr="0">
+            <a:noAutofit/>
+          </a:bodyPr>
+          <a:lstStyle/>
+          <a:p>
+            <a:pPr marL="0" marR="0" lvl="0" indent="0" algn="ctr" rtl="0">
+              <a:spcBef>
+                <a:spcPts val="0"/>
+              </a:spcBef>
+              <a:spcAft>
+                <a:spcPts val="0"/>
+              </a:spcAft>
+              <a:buNone/>
+            </a:pPr>
+            <a:r>
+              <a:rPr lang="ru-RU" sz="1800" b="1" dirty="0">
+                <a:solidFill>
+                  <a:srgbClr val="F1D46E"/>
+                </a:solidFill>
+                <a:latin typeface="Ultima Pro Black" panose="02000000000000000000" pitchFamily="2" charset="-52"/>
+                <a:sym typeface="Century Gothic"/>
+              </a:rPr>
+              <a:t>Преимущества</a:t>
+            </a:r>
+          </a:p>
+        </p:txBody>
+      </p:sp>
     </p:spTree>
     <p:extLst>
       <p:ext uri="{BB962C8B-B14F-4D97-AF65-F5344CB8AC3E}">
@@ -18292,6 +18449,70 @@
             <a:endParaRPr lang="ru-RU" sz="2800" dirty="0">
               <a:solidFill>
                 <a:srgbClr val="F2F2F2"/>
+              </a:solidFill>
+              <a:latin typeface="Ultima Pro Black" panose="02000000000000000000" pitchFamily="2" charset="-52"/>
+            </a:endParaRPr>
+          </a:p>
+        </p:txBody>
+      </p:sp>
+      <p:sp>
+        <p:nvSpPr>
+          <p:cNvPr id="3" name="Google Shape;311;p19">
+            <a:hlinkClick r:id="rId3" action="ppaction://hlinksldjump"/>
+            <a:extLst>
+              <a:ext uri="{FF2B5EF4-FFF2-40B4-BE49-F238E27FC236}">
+                <a16:creationId xmlns:a16="http://schemas.microsoft.com/office/drawing/2014/main" id="{9C52F86C-26D3-988F-24DF-C4AF80856618}"/>
+              </a:ext>
+            </a:extLst>
+          </p:cNvPr>
+          <p:cNvSpPr/>
+          <p:nvPr/>
+        </p:nvSpPr>
+        <p:spPr>
+          <a:xfrm>
+            <a:off x="9920336" y="5974710"/>
+            <a:ext cx="2267571" cy="689700"/>
+          </a:xfrm>
+          <a:prstGeom prst="roundRect">
+            <a:avLst>
+              <a:gd name="adj" fmla="val 50000"/>
+            </a:avLst>
+          </a:prstGeom>
+          <a:solidFill>
+            <a:schemeClr val="accent6"/>
+          </a:solidFill>
+          <a:ln>
+            <a:noFill/>
+          </a:ln>
+        </p:spPr>
+        <p:txBody>
+          <a:bodyPr spcFirstLastPara="1" wrap="square" lIns="91425" tIns="45700" rIns="91425" bIns="45700" anchor="ctr" anchorCtr="0">
+            <a:noAutofit/>
+          </a:bodyPr>
+          <a:lstStyle/>
+          <a:p>
+            <a:pPr marL="0" marR="0" lvl="0" indent="0" algn="ctr" rtl="0">
+              <a:spcBef>
+                <a:spcPts val="0"/>
+              </a:spcBef>
+              <a:spcAft>
+                <a:spcPts val="0"/>
+              </a:spcAft>
+              <a:buNone/>
+            </a:pPr>
+            <a:r>
+              <a:rPr lang="ru-RU" sz="1800" b="1" dirty="0">
+                <a:solidFill>
+                  <a:srgbClr val="F1D46E"/>
+                </a:solidFill>
+                <a:latin typeface="Ultima Pro Black" panose="02000000000000000000" pitchFamily="2" charset="-52"/>
+                <a:sym typeface="Century Gothic"/>
+              </a:rPr>
+              <a:t>Возможности</a:t>
+            </a:r>
+            <a:endParaRPr dirty="0">
+              <a:solidFill>
+                <a:srgbClr val="F1D46E"/>
               </a:solidFill>
               <a:latin typeface="Ultima Pro Black" panose="02000000000000000000" pitchFamily="2" charset="-52"/>
             </a:endParaRPr>
